--- a/Documents/SDA-KSSL-demo-Nemecek.pptx
+++ b/Documents/SDA-KSSL-demo-Nemecek.pptx
@@ -205,7 +205,7 @@
           <a:p>
             <a:fld id="{A779BBD8-923E-4145-B834-EC26A667234C}" type="datetimeFigureOut">
               <a:rPr lang="en-US" smtClean="0"/>
-              <a:t>7/23/2020</a:t>
+              <a:t>12/7/2020</a:t>
             </a:fld>
             <a:endParaRPr lang="en-US"/>
           </a:p>
@@ -1834,7 +1834,7 @@
           <a:p>
             <a:fld id="{83AC60CD-9657-4AB3-B5EE-046655FD3A86}" type="datetimeFigureOut">
               <a:rPr lang="en-US" smtClean="0"/>
-              <a:t>7/23/2020</a:t>
+              <a:t>12/7/2020</a:t>
             </a:fld>
             <a:endParaRPr lang="en-US"/>
           </a:p>
@@ -2032,7 +2032,7 @@
           <a:p>
             <a:fld id="{83AC60CD-9657-4AB3-B5EE-046655FD3A86}" type="datetimeFigureOut">
               <a:rPr lang="en-US" smtClean="0"/>
-              <a:t>7/23/2020</a:t>
+              <a:t>12/7/2020</a:t>
             </a:fld>
             <a:endParaRPr lang="en-US"/>
           </a:p>
@@ -2240,7 +2240,7 @@
           <a:p>
             <a:fld id="{83AC60CD-9657-4AB3-B5EE-046655FD3A86}" type="datetimeFigureOut">
               <a:rPr lang="en-US" smtClean="0"/>
-              <a:t>7/23/2020</a:t>
+              <a:t>12/7/2020</a:t>
             </a:fld>
             <a:endParaRPr lang="en-US"/>
           </a:p>
@@ -2444,7 +2444,7 @@
           <a:p>
             <a:fld id="{ED142E25-4D6A-4E84-A843-638D116E87AA}" type="datetimeFigureOut">
               <a:rPr lang="en-US" smtClean="0"/>
-              <a:t>7/23/2020</a:t>
+              <a:t>12/7/2020</a:t>
             </a:fld>
             <a:endParaRPr lang="en-US"/>
           </a:p>
@@ -2614,7 +2614,7 @@
           <a:p>
             <a:fld id="{ED142E25-4D6A-4E84-A843-638D116E87AA}" type="datetimeFigureOut">
               <a:rPr lang="en-US" smtClean="0"/>
-              <a:t>7/23/2020</a:t>
+              <a:t>12/7/2020</a:t>
             </a:fld>
             <a:endParaRPr lang="en-US"/>
           </a:p>
@@ -2858,7 +2858,7 @@
           <a:p>
             <a:fld id="{ED142E25-4D6A-4E84-A843-638D116E87AA}" type="datetimeFigureOut">
               <a:rPr lang="en-US" smtClean="0"/>
-              <a:t>7/23/2020</a:t>
+              <a:t>12/7/2020</a:t>
             </a:fld>
             <a:endParaRPr lang="en-US"/>
           </a:p>
@@ -3090,7 +3090,7 @@
           <a:p>
             <a:fld id="{ED142E25-4D6A-4E84-A843-638D116E87AA}" type="datetimeFigureOut">
               <a:rPr lang="en-US" smtClean="0"/>
-              <a:t>7/23/2020</a:t>
+              <a:t>12/7/2020</a:t>
             </a:fld>
             <a:endParaRPr lang="en-US"/>
           </a:p>
@@ -3457,7 +3457,7 @@
           <a:p>
             <a:fld id="{ED142E25-4D6A-4E84-A843-638D116E87AA}" type="datetimeFigureOut">
               <a:rPr lang="en-US" smtClean="0"/>
-              <a:t>7/23/2020</a:t>
+              <a:t>12/7/2020</a:t>
             </a:fld>
             <a:endParaRPr lang="en-US"/>
           </a:p>
@@ -3575,7 +3575,7 @@
           <a:p>
             <a:fld id="{ED142E25-4D6A-4E84-A843-638D116E87AA}" type="datetimeFigureOut">
               <a:rPr lang="en-US" smtClean="0"/>
-              <a:t>7/23/2020</a:t>
+              <a:t>12/7/2020</a:t>
             </a:fld>
             <a:endParaRPr lang="en-US"/>
           </a:p>
@@ -3670,7 +3670,7 @@
           <a:p>
             <a:fld id="{ED142E25-4D6A-4E84-A843-638D116E87AA}" type="datetimeFigureOut">
               <a:rPr lang="en-US" smtClean="0"/>
-              <a:t>7/23/2020</a:t>
+              <a:t>12/7/2020</a:t>
             </a:fld>
             <a:endParaRPr lang="en-US"/>
           </a:p>
@@ -3947,7 +3947,7 @@
           <a:p>
             <a:fld id="{ED142E25-4D6A-4E84-A843-638D116E87AA}" type="datetimeFigureOut">
               <a:rPr lang="en-US" smtClean="0"/>
-              <a:t>7/23/2020</a:t>
+              <a:t>12/7/2020</a:t>
             </a:fld>
             <a:endParaRPr lang="en-US"/>
           </a:p>
@@ -4133,7 +4133,7 @@
           <a:p>
             <a:fld id="{83AC60CD-9657-4AB3-B5EE-046655FD3A86}" type="datetimeFigureOut">
               <a:rPr lang="en-US" smtClean="0"/>
-              <a:t>7/23/2020</a:t>
+              <a:t>12/7/2020</a:t>
             </a:fld>
             <a:endParaRPr lang="en-US"/>
           </a:p>
@@ -4402,7 +4402,7 @@
           <a:p>
             <a:fld id="{ED142E25-4D6A-4E84-A843-638D116E87AA}" type="datetimeFigureOut">
               <a:rPr lang="en-US" smtClean="0"/>
-              <a:t>7/23/2020</a:t>
+              <a:t>12/7/2020</a:t>
             </a:fld>
             <a:endParaRPr lang="en-US"/>
           </a:p>
@@ -4572,7 +4572,7 @@
           <a:p>
             <a:fld id="{ED142E25-4D6A-4E84-A843-638D116E87AA}" type="datetimeFigureOut">
               <a:rPr lang="en-US" smtClean="0"/>
-              <a:t>7/23/2020</a:t>
+              <a:t>12/7/2020</a:t>
             </a:fld>
             <a:endParaRPr lang="en-US"/>
           </a:p>
@@ -4752,7 +4752,7 @@
           <a:p>
             <a:fld id="{ED142E25-4D6A-4E84-A843-638D116E87AA}" type="datetimeFigureOut">
               <a:rPr lang="en-US" smtClean="0"/>
-              <a:t>7/23/2020</a:t>
+              <a:t>12/7/2020</a:t>
             </a:fld>
             <a:endParaRPr lang="en-US"/>
           </a:p>
@@ -5015,7 +5015,7 @@
           <a:p>
             <a:fld id="{83AC60CD-9657-4AB3-B5EE-046655FD3A86}" type="datetimeFigureOut">
               <a:rPr lang="en-US" smtClean="0"/>
-              <a:t>7/23/2020</a:t>
+              <a:t>12/7/2020</a:t>
             </a:fld>
             <a:endParaRPr lang="en-US"/>
           </a:p>
@@ -5280,7 +5280,7 @@
           <a:p>
             <a:fld id="{83AC60CD-9657-4AB3-B5EE-046655FD3A86}" type="datetimeFigureOut">
               <a:rPr lang="en-US" smtClean="0"/>
-              <a:t>7/23/2020</a:t>
+              <a:t>12/7/2020</a:t>
             </a:fld>
             <a:endParaRPr lang="en-US"/>
           </a:p>
@@ -5692,7 +5692,7 @@
           <a:p>
             <a:fld id="{83AC60CD-9657-4AB3-B5EE-046655FD3A86}" type="datetimeFigureOut">
               <a:rPr lang="en-US" smtClean="0"/>
-              <a:t>7/23/2020</a:t>
+              <a:t>12/7/2020</a:t>
             </a:fld>
             <a:endParaRPr lang="en-US"/>
           </a:p>
@@ -5833,7 +5833,7 @@
           <a:p>
             <a:fld id="{83AC60CD-9657-4AB3-B5EE-046655FD3A86}" type="datetimeFigureOut">
               <a:rPr lang="en-US" smtClean="0"/>
-              <a:t>7/23/2020</a:t>
+              <a:t>12/7/2020</a:t>
             </a:fld>
             <a:endParaRPr lang="en-US"/>
           </a:p>
@@ -5946,7 +5946,7 @@
           <a:p>
             <a:fld id="{83AC60CD-9657-4AB3-B5EE-046655FD3A86}" type="datetimeFigureOut">
               <a:rPr lang="en-US" smtClean="0"/>
-              <a:t>7/23/2020</a:t>
+              <a:t>12/7/2020</a:t>
             </a:fld>
             <a:endParaRPr lang="en-US"/>
           </a:p>
@@ -6257,7 +6257,7 @@
           <a:p>
             <a:fld id="{83AC60CD-9657-4AB3-B5EE-046655FD3A86}" type="datetimeFigureOut">
               <a:rPr lang="en-US" smtClean="0"/>
-              <a:t>7/23/2020</a:t>
+              <a:t>12/7/2020</a:t>
             </a:fld>
             <a:endParaRPr lang="en-US"/>
           </a:p>
@@ -6545,7 +6545,7 @@
           <a:p>
             <a:fld id="{83AC60CD-9657-4AB3-B5EE-046655FD3A86}" type="datetimeFigureOut">
               <a:rPr lang="en-US" smtClean="0"/>
-              <a:t>7/23/2020</a:t>
+              <a:t>12/7/2020</a:t>
             </a:fld>
             <a:endParaRPr lang="en-US"/>
           </a:p>
@@ -6786,7 +6786,7 @@
           <a:p>
             <a:fld id="{83AC60CD-9657-4AB3-B5EE-046655FD3A86}" type="datetimeFigureOut">
               <a:rPr lang="en-US" smtClean="0"/>
-              <a:t>7/23/2020</a:t>
+              <a:t>12/7/2020</a:t>
             </a:fld>
             <a:endParaRPr lang="en-US"/>
           </a:p>
@@ -7338,7 +7338,7 @@
           <a:p>
             <a:fld id="{ED142E25-4D6A-4E84-A843-638D116E87AA}" type="datetimeFigureOut">
               <a:rPr lang="en-US" smtClean="0"/>
-              <a:t>7/23/2020</a:t>
+              <a:t>12/7/2020</a:t>
             </a:fld>
             <a:endParaRPr lang="en-US"/>
           </a:p>
@@ -8129,23 +8129,29 @@
           </a:bodyPr>
           <a:lstStyle/>
           <a:p>
-            <a:pPr marL="342900" marR="0" lvl="0" indent="-342900" algn="l" defTabSz="457200" rtl="0" eaLnBrk="1" fontAlgn="auto" latinLnBrk="0" hangingPunct="1">
-              <a:lnSpc>
-                <a:spcPct val="100000"/>
-              </a:lnSpc>
-              <a:spcBef>
-                <a:spcPts val="0"/>
-              </a:spcBef>
-              <a:spcAft>
-                <a:spcPts val="0"/>
-              </a:spcAft>
-              <a:buClrTx/>
-              <a:buSzTx/>
+            <a:pPr marL="342900" lvl="0" indent="-342900" defTabSz="457200">
               <a:buFont typeface="Arial" panose="020B0604020202020204" pitchFamily="34" charset="0"/>
               <a:buChar char="•"/>
-              <a:tabLst/>
               <a:defRPr/>
             </a:pPr>
+            <a:r>
+              <a:rPr lang="en-US" sz="2000" dirty="0">
+                <a:solidFill>
+                  <a:prstClr val="white"/>
+                </a:solidFill>
+                <a:latin typeface="Candara" panose="020E0502030303020204" pitchFamily="34" charset="0"/>
+              </a:rPr>
+              <a:t>Skye Wills, Cathy </a:t>
+            </a:r>
+            <a:r>
+              <a:rPr lang="en-US" sz="2000">
+                <a:solidFill>
+                  <a:prstClr val="white"/>
+                </a:solidFill>
+                <a:latin typeface="Candara" panose="020E0502030303020204" pitchFamily="34" charset="0"/>
+              </a:rPr>
+              <a:t>Seybold, Henry </a:t>
+            </a:r>
             <a:r>
               <a:rPr kumimoji="0" lang="en-US" sz="2000" b="0" i="0" u="none" strike="noStrike" kern="1200" cap="none" spc="0" normalizeH="0" baseline="0" noProof="0" dirty="0">
                 <a:ln>
@@ -8161,7 +8167,7 @@
                 <a:ea typeface="+mn-ea"/>
                 <a:cs typeface="+mn-cs"/>
               </a:rPr>
-              <a:t>Henry Ferguson / Rick Nesser</a:t>
+              <a:t>Ferguson / Rick Nesser</a:t>
             </a:r>
           </a:p>
           <a:p>
